--- a/docs/tutorial/slides.pptx
+++ b/docs/tutorial/slides.pptx
@@ -342,7 +342,7 @@
               <a:pPr>
                 <a:defRPr/>
               </a:pPr>
-              <a:t>9/25/2016</a:t>
+              <a:t>9/26/16</a:t>
             </a:fld>
             <a:endParaRPr lang="en-US" altLang="en-US"/>
           </a:p>
@@ -565,7 +565,7 @@
               <a:pPr>
                 <a:defRPr/>
               </a:pPr>
-              <a:t>9/25/2016</a:t>
+              <a:t>9/26/16</a:t>
             </a:fld>
             <a:endParaRPr lang="en-US" altLang="en-US"/>
           </a:p>
@@ -938,7 +938,7 @@
               </a14:hiddenFill>
             </a:ext>
             <a:ext uri="{FAA26D3D-D897-4be2-8F04-BA451C77F1D7}">
-              <ma14:placeholderFlag xmlns:ma14="http://schemas.microsoft.com/office/mac/drawingml/2011/main" xmlns="" val="1"/>
+              <ma14:placeholderFlag xmlns:ma14="http://schemas.microsoft.com/office/mac/drawingml/2011/main" val="1"/>
             </a:ext>
           </a:extLst>
         </p:spPr>
@@ -974,7 +974,7 @@
               </a14:hiddenLine>
             </a:ext>
             <a:ext uri="{FAA26D3D-D897-4be2-8F04-BA451C77F1D7}">
-              <ma14:placeholderFlag xmlns:ma14="http://schemas.microsoft.com/office/mac/drawingml/2011/main" xmlns="" val="1"/>
+              <ma14:placeholderFlag xmlns:ma14="http://schemas.microsoft.com/office/mac/drawingml/2011/main" val="1"/>
             </a:ext>
           </a:extLst>
         </p:spPr>
@@ -2631,7 +2631,7 @@
               </a14:hiddenLine>
             </a:ext>
             <a:ext uri="{FAA26D3D-D897-4be2-8F04-BA451C77F1D7}">
-              <ma14:placeholderFlag xmlns:ma14="http://schemas.microsoft.com/office/mac/drawingml/2011/main" xmlns="" val="1"/>
+              <ma14:placeholderFlag xmlns:ma14="http://schemas.microsoft.com/office/mac/drawingml/2011/main" val="1"/>
             </a:ext>
           </a:extLst>
         </p:spPr>
@@ -2692,7 +2692,7 @@
               </a14:hiddenLine>
             </a:ext>
             <a:ext uri="{FAA26D3D-D897-4be2-8F04-BA451C77F1D7}">
-              <ma14:placeholderFlag xmlns:ma14="http://schemas.microsoft.com/office/mac/drawingml/2011/main" xmlns="" val="1"/>
+              <ma14:placeholderFlag xmlns:ma14="http://schemas.microsoft.com/office/mac/drawingml/2011/main" val="1"/>
             </a:ext>
           </a:extLst>
         </p:spPr>
@@ -4363,13 +4363,6 @@
   <p:clrMapOvr>
     <a:masterClrMapping/>
   </p:clrMapOvr>
-  <p:timing>
-    <p:tnLst>
-      <p:par>
-        <p:cTn id="1" dur="indefinite" restart="never" nodeType="tmRoot"/>
-      </p:par>
-    </p:tnLst>
-  </p:timing>
 </p:sld>
 </file>
 
@@ -7909,14 +7902,14 @@
           <a:effectLst/>
           <a:extLst>
             <a:ext uri="{909E8E84-426E-40dd-AFC4-6F175D3DCCD1}">
-              <a14:hiddenFill xmlns:a14="http://schemas.microsoft.com/office/drawing/2010/main" xmlns="">
+              <a14:hiddenFill xmlns="" xmlns:a14="http://schemas.microsoft.com/office/drawing/2010/main">
                 <a:solidFill>
                   <a:srgbClr val="FFFFFF"/>
                 </a:solidFill>
               </a14:hiddenFill>
             </a:ext>
             <a:ext uri="{91240B29-F687-4f45-9708-019B960494DF}">
-              <a14:hiddenLine xmlns:a14="http://schemas.microsoft.com/office/drawing/2010/main" xmlns="" w="12700" cap="flat" cmpd="sng">
+              <a14:hiddenLine xmlns="" xmlns:a14="http://schemas.microsoft.com/office/drawing/2010/main" w="12700" cap="flat" cmpd="sng">
                 <a:solidFill>
                   <a:srgbClr val="000000"/>
                 </a:solidFill>
@@ -7927,7 +7920,7 @@
               </a14:hiddenLine>
             </a:ext>
             <a:ext uri="{AF507438-7753-43e0-B8FC-AC1667EBCBE1}">
-              <a14:hiddenEffects xmlns:a14="http://schemas.microsoft.com/office/drawing/2010/main" xmlns="">
+              <a14:hiddenEffects xmlns="" xmlns:a14="http://schemas.microsoft.com/office/drawing/2010/main">
                 <a:effectLst>
                   <a:outerShdw blurRad="63500" dist="38099" dir="2700000" algn="ctr" rotWithShape="0">
                     <a:srgbClr val="000000">
@@ -25334,8 +25327,9 @@
             </a:pPr>
             <a:r>
               <a:rPr lang="en-US" sz="1600" dirty="0" smtClean="0"/>
-              <a:t>Auto Bandwidth</a:t>
-            </a:r>
+              <a:t>Bandwidth Update</a:t>
+            </a:r>
+            <a:endParaRPr lang="en-US" sz="1600" dirty="0" smtClean="0"/>
           </a:p>
           <a:p>
             <a:pPr lvl="1">
@@ -41594,14 +41588,14 @@
           <a:effectLst/>
           <a:extLst>
             <a:ext uri="{909E8E84-426E-40dd-AFC4-6F175D3DCCD1}">
-              <a14:hiddenFill xmlns="" xmlns:a14="http://schemas.microsoft.com/office/drawing/2010/main">
+              <a14:hiddenFill xmlns:a14="http://schemas.microsoft.com/office/drawing/2010/main" xmlns="">
                 <a:solidFill>
                   <a:srgbClr val="FFFFFF"/>
                 </a:solidFill>
               </a14:hiddenFill>
             </a:ext>
             <a:ext uri="{91240B29-F687-4f45-9708-019B960494DF}">
-              <a14:hiddenLine xmlns="" xmlns:a14="http://schemas.microsoft.com/office/drawing/2010/main" w="12700" cap="flat" cmpd="sng">
+              <a14:hiddenLine xmlns:a14="http://schemas.microsoft.com/office/drawing/2010/main" xmlns="" w="12700" cap="flat" cmpd="sng">
                 <a:solidFill>
                   <a:srgbClr val="000000"/>
                 </a:solidFill>
@@ -41612,7 +41606,7 @@
               </a14:hiddenLine>
             </a:ext>
             <a:ext uri="{AF507438-7753-43e0-B8FC-AC1667EBCBE1}">
-              <a14:hiddenEffects xmlns="" xmlns:a14="http://schemas.microsoft.com/office/drawing/2010/main">
+              <a14:hiddenEffects xmlns:a14="http://schemas.microsoft.com/office/drawing/2010/main" xmlns="">
                 <a:effectLst>
                   <a:outerShdw blurRad="63500" dist="38099" dir="2700000" algn="ctr" rotWithShape="0">
                     <a:srgbClr val="000000">
@@ -49348,24 +49342,14 @@
               <a:defRPr/>
             </a:pPr>
             <a:r>
-              <a:rPr lang="en-US" sz="1400" dirty="0" err="1">
+              <a:rPr lang="en-US" sz="1400" dirty="0">
                 <a:solidFill>
                   <a:schemeClr val="dk1"/>
                 </a:solidFill>
                 <a:latin typeface="+mn-lt"/>
                 <a:ea typeface="+mn-ea"/>
               </a:rPr>
-              <a:t>Anyconnect</a:t>
-            </a:r>
-            <a:r>
-              <a:rPr lang="en-US" sz="1400" dirty="0">
-                <a:solidFill>
-                  <a:schemeClr val="dk1"/>
-                </a:solidFill>
-                <a:latin typeface="+mn-lt"/>
-                <a:ea typeface="+mn-ea"/>
-              </a:rPr>
-              <a:t> VPN</a:t>
+              <a:t>Anyconnect VPN</a:t>
             </a:r>
           </a:p>
         </p:txBody>
@@ -50053,15 +50037,7 @@
             </a:r>
             <a:r>
               <a:rPr lang="en-US" sz="2000" dirty="0" smtClean="0"/>
-              <a:t> session using </a:t>
-            </a:r>
-            <a:r>
-              <a:rPr lang="en-US" sz="2000" dirty="0" err="1" smtClean="0"/>
-              <a:t>Anyconnect</a:t>
-            </a:r>
-            <a:r>
-              <a:rPr lang="en-US" sz="2000" dirty="0" smtClean="0"/>
-              <a:t> VPN</a:t>
+              <a:t> session using Anyconnect VPN</a:t>
             </a:r>
             <a:endParaRPr lang="en-US" sz="2000" dirty="0"/>
           </a:p>
@@ -50385,15 +50361,15 @@
               <a:defRPr/>
             </a:pPr>
             <a:r>
-              <a:rPr lang="en-US" sz="2000" dirty="0" smtClean="0"/>
+              <a:rPr lang="en-US" sz="2200" dirty="0" smtClean="0"/>
               <a:t>Simulated network will be run in Cisco </a:t>
             </a:r>
             <a:r>
-              <a:rPr lang="en-US" sz="2000" dirty="0" err="1" smtClean="0"/>
+              <a:rPr lang="en-US" sz="2200" dirty="0" err="1" smtClean="0"/>
               <a:t>dCloud</a:t>
             </a:r>
             <a:r>
-              <a:rPr lang="en-US" sz="2000" dirty="0" smtClean="0"/>
+              <a:rPr lang="en-US" sz="2200" dirty="0" smtClean="0"/>
               <a:t> using VIRL</a:t>
             </a:r>
           </a:p>
@@ -50401,131 +50377,85 @@
             <a:pPr>
               <a:defRPr/>
             </a:pPr>
-            <a:endParaRPr lang="en-US" sz="2000" dirty="0" smtClean="0"/>
+            <a:endParaRPr lang="en-US" sz="2200" dirty="0"/>
           </a:p>
           <a:p>
             <a:pPr>
               <a:defRPr/>
             </a:pPr>
             <a:r>
-              <a:rPr lang="en-US" sz="2000" dirty="0" smtClean="0"/>
-              <a:t>Steps to bring up the network</a:t>
-            </a:r>
-            <a:endParaRPr lang="en-US" sz="2000" dirty="0" smtClean="0"/>
-          </a:p>
-          <a:p>
-            <a:pPr lvl="1">
+              <a:rPr lang="en-US" sz="2200" dirty="0" smtClean="0"/>
+              <a:t>For today sessions will be pre-launched and run from Giles’ account.</a:t>
+            </a:r>
+          </a:p>
+          <a:p>
+            <a:pPr>
               <a:defRPr/>
             </a:pPr>
-            <a:r>
-              <a:rPr lang="en-US" sz="2000" dirty="0" smtClean="0"/>
+            <a:endParaRPr lang="en-US" sz="2200" dirty="0" smtClean="0"/>
+          </a:p>
+          <a:p>
+            <a:pPr>
+              <a:defRPr/>
+            </a:pPr>
+            <a:r>
+              <a:rPr lang="en-US" sz="2200" dirty="0" smtClean="0"/>
               <a:t>Register and login to </a:t>
             </a:r>
             <a:r>
-              <a:rPr lang="en-US" sz="2000" dirty="0" err="1" smtClean="0"/>
+              <a:rPr lang="en-US" sz="2200" dirty="0" err="1" smtClean="0"/>
               <a:t>dCloud</a:t>
             </a:r>
             <a:r>
-              <a:rPr lang="en-US" sz="2000" dirty="0"/>
+              <a:rPr lang="en-US" sz="2200" dirty="0"/>
               <a:t> </a:t>
             </a:r>
             <a:r>
-              <a:rPr lang="en-US" sz="2000" dirty="0" smtClean="0">
-                <a:sym typeface="Wingdings" panose="05000000000000000000" pitchFamily="2" charset="2"/>
-              </a:rPr>
-              <a:t> </a:t>
-            </a:r>
-            <a:r>
-              <a:rPr lang="en-US" sz="2000" dirty="0" smtClean="0">
+              <a:rPr lang="en-US" sz="2200" dirty="0" smtClean="0">
                 <a:latin typeface="Courier New" panose="02070309020205020404" pitchFamily="49" charset="0"/>
                 <a:cs typeface="Courier New" panose="02070309020205020404" pitchFamily="49" charset="0"/>
               </a:rPr>
-              <a:t>https</a:t>
-            </a:r>
-            <a:r>
-              <a:rPr lang="en-US" sz="2000" dirty="0" smtClean="0">
-                <a:latin typeface="Courier New" panose="02070309020205020404" pitchFamily="49" charset="0"/>
-                <a:cs typeface="Courier New" panose="02070309020205020404" pitchFamily="49" charset="0"/>
-              </a:rPr>
-              <a:t>://dcloud.cisco.com</a:t>
-            </a:r>
-            <a:r>
-              <a:rPr lang="en-US" sz="2000" dirty="0" smtClean="0">
-                <a:latin typeface="Courier New" panose="02070309020205020404" pitchFamily="49" charset="0"/>
-                <a:cs typeface="Courier New" panose="02070309020205020404" pitchFamily="49" charset="0"/>
-              </a:rPr>
-              <a:t>/</a:t>
-            </a:r>
-            <a:endParaRPr lang="en-US" sz="2000" dirty="0" smtClean="0"/>
-          </a:p>
-          <a:p>
-            <a:pPr lvl="1">
-              <a:defRPr/>
-            </a:pPr>
-            <a:r>
-              <a:rPr lang="en-US" sz="2000" dirty="0" smtClean="0"/>
-              <a:t>Search for “OpenDaylight Boron with Apps with 8 Nodes</a:t>
-            </a:r>
-            <a:r>
-              <a:rPr lang="en-US" sz="2000" dirty="0" smtClean="0"/>
-              <a:t>”</a:t>
-            </a:r>
-            <a:endParaRPr lang="en-US" sz="2000" dirty="0" smtClean="0"/>
-          </a:p>
-          <a:p>
-            <a:pPr lvl="1">
-              <a:defRPr/>
-            </a:pPr>
-            <a:r>
-              <a:rPr lang="en-US" sz="2000" dirty="0" smtClean="0"/>
-              <a:t>Schedule and </a:t>
-            </a:r>
-            <a:r>
-              <a:rPr lang="en-US" sz="2000" dirty="0" smtClean="0"/>
-              <a:t>launch </a:t>
-            </a:r>
-            <a:r>
-              <a:rPr lang="en-US" sz="2000" dirty="0" smtClean="0"/>
-              <a:t>lab </a:t>
-            </a:r>
-            <a:r>
-              <a:rPr lang="en-US" sz="2000" dirty="0" smtClean="0"/>
-              <a:t>session</a:t>
+              <a:t>https://dcloud.cisco.com/</a:t>
             </a:r>
           </a:p>
           <a:p>
             <a:pPr>
               <a:defRPr/>
             </a:pPr>
-            <a:endParaRPr lang="en-US" sz="2000" dirty="0"/>
+            <a:endParaRPr lang="en-US" sz="2200" dirty="0" smtClean="0"/>
           </a:p>
           <a:p>
             <a:pPr>
               <a:defRPr/>
             </a:pPr>
             <a:r>
-              <a:rPr lang="en-US" sz="2000" dirty="0"/>
-              <a:t>For </a:t>
-            </a:r>
-            <a:r>
-              <a:rPr lang="en-US" sz="2000" dirty="0" smtClean="0"/>
-              <a:t>today’s tutorial, </a:t>
-            </a:r>
-            <a:r>
-              <a:rPr lang="en-US" sz="2000" dirty="0"/>
-              <a:t>sessions will be pre-launched and run from Giles’ </a:t>
-            </a:r>
-            <a:r>
-              <a:rPr lang="en-US" sz="2000" dirty="0" smtClean="0"/>
-              <a:t>account</a:t>
-            </a:r>
-            <a:endParaRPr lang="en-US" sz="2000" dirty="0"/>
+              <a:rPr lang="en-US" sz="2200" dirty="0" smtClean="0"/>
+              <a:t>Search for “</a:t>
+            </a:r>
+            <a:r>
+              <a:rPr lang="en-US" sz="2200" dirty="0" err="1" smtClean="0"/>
+              <a:t>OpenDaylight</a:t>
+            </a:r>
+            <a:r>
+              <a:rPr lang="en-US" sz="2200" dirty="0" smtClean="0"/>
+              <a:t> Boron with Apps with 8 Nodes”</a:t>
+            </a:r>
           </a:p>
           <a:p>
             <a:pPr>
               <a:defRPr/>
             </a:pPr>
-            <a:endParaRPr lang="en-US" sz="2000" dirty="0"/>
+            <a:endParaRPr lang="en-US" sz="2200" dirty="0" smtClean="0"/>
+          </a:p>
+          <a:p>
+            <a:pPr>
+              <a:defRPr/>
+            </a:pPr>
+            <a:r>
+              <a:rPr lang="en-US" sz="2200" dirty="0" smtClean="0"/>
+              <a:t>Schedule and launch lab session</a:t>
+            </a:r>
+            <a:endParaRPr lang="en-US" sz="2200" dirty="0"/>
           </a:p>
         </p:txBody>
       </p:sp>

--- a/docs/tutorial/slides.pptx
+++ b/docs/tutorial/slides.pptx
@@ -25326,7 +25326,7 @@
               <a:defRPr/>
             </a:pPr>
             <a:r>
-              <a:rPr lang="en-US" sz="1600" dirty="0" smtClean="0"/>
+              <a:rPr lang="en-US" sz="1600" smtClean="0"/>
               <a:t>Bandwidth Update</a:t>
             </a:r>
             <a:endParaRPr lang="en-US" sz="1600" dirty="0" smtClean="0"/>
@@ -33184,7 +33184,7 @@
         </p:nvSpPr>
         <p:spPr>
           <a:xfrm>
-            <a:off x="701675" y="1600200"/>
+            <a:off x="619379" y="1356519"/>
             <a:ext cx="7985125" cy="4244975"/>
           </a:xfrm>
         </p:spPr>
@@ -33196,8 +33196,33 @@
               <a:defRPr/>
             </a:pPr>
             <a:r>
-              <a:rPr lang="en-US" sz="2200" dirty="0" smtClean="0"/>
-              <a:t>Communication protocol for exchange of MPLS Traffic Engineering (TE) information between PCE and PCC</a:t>
+              <a:rPr lang="en-US" sz="1900" dirty="0" smtClean="0"/>
+              <a:t>Communication protocol for </a:t>
+            </a:r>
+            <a:endParaRPr lang="en-US" sz="1900" dirty="0"/>
+          </a:p>
+          <a:p>
+            <a:pPr marL="0" indent="0">
+              <a:buNone/>
+              <a:defRPr/>
+            </a:pPr>
+            <a:r>
+              <a:rPr lang="en-US" sz="1900" dirty="0" smtClean="0"/>
+              <a:t>     exchange of MPLS Traffic Engineering </a:t>
+            </a:r>
+          </a:p>
+          <a:p>
+            <a:pPr marL="0" indent="0">
+              <a:buNone/>
+              <a:defRPr/>
+            </a:pPr>
+            <a:r>
+              <a:rPr lang="en-US" sz="1900" dirty="0"/>
+              <a:t> </a:t>
+            </a:r>
+            <a:r>
+              <a:rPr lang="en-US" sz="1900" dirty="0" smtClean="0"/>
+              <a:t>    (TE) information between PCE and PCC</a:t>
             </a:r>
           </a:p>
           <a:p>
@@ -33205,7 +33230,7 @@
               <a:defRPr/>
             </a:pPr>
             <a:r>
-              <a:rPr lang="en-US" sz="2200" dirty="0" smtClean="0"/>
+              <a:rPr lang="en-US" sz="1900" dirty="0" smtClean="0"/>
               <a:t>Defined by RFC 5440</a:t>
             </a:r>
           </a:p>
@@ -33214,12 +33239,40 @@
               <a:defRPr/>
             </a:pPr>
             <a:r>
-              <a:rPr lang="en-US" sz="2200" dirty="0" err="1" smtClean="0"/>
+              <a:rPr lang="en-US" sz="1900" dirty="0" err="1" smtClean="0"/>
               <a:t>Stateful</a:t>
             </a:r>
             <a:r>
-              <a:rPr lang="en-US" sz="2200" dirty="0" smtClean="0"/>
-              <a:t> extension to enable synchronization of LSP state between PCC and PCE</a:t>
+              <a:rPr lang="en-US" sz="1900" dirty="0" smtClean="0"/>
+              <a:t> extension to enable </a:t>
+            </a:r>
+          </a:p>
+          <a:p>
+            <a:pPr marL="0" indent="0">
+              <a:buNone/>
+              <a:defRPr/>
+            </a:pPr>
+            <a:r>
+              <a:rPr lang="en-US" sz="1900" dirty="0"/>
+              <a:t> </a:t>
+            </a:r>
+            <a:r>
+              <a:rPr lang="en-US" sz="1900" dirty="0" smtClean="0"/>
+              <a:t>    synchronization of LSP state </a:t>
+            </a:r>
+          </a:p>
+          <a:p>
+            <a:pPr marL="0" indent="0">
+              <a:buNone/>
+              <a:defRPr/>
+            </a:pPr>
+            <a:r>
+              <a:rPr lang="en-US" sz="1900" dirty="0"/>
+              <a:t> </a:t>
+            </a:r>
+            <a:r>
+              <a:rPr lang="en-US" sz="1900" dirty="0" smtClean="0"/>
+              <a:t>    between PCC and PCE</a:t>
             </a:r>
           </a:p>
           <a:p>
@@ -33227,7 +33280,7 @@
               <a:defRPr/>
             </a:pPr>
             <a:r>
-              <a:rPr lang="en-US" sz="2200" dirty="0" smtClean="0"/>
+              <a:rPr lang="en-US" sz="1900" dirty="0" smtClean="0"/>
               <a:t>LSP management can happen in two ways</a:t>
             </a:r>
           </a:p>
@@ -33236,7 +33289,7 @@
               <a:defRPr/>
             </a:pPr>
             <a:r>
-              <a:rPr lang="en-US" sz="2000" dirty="0" smtClean="0"/>
+              <a:rPr lang="en-US" sz="1900" dirty="0" smtClean="0"/>
               <a:t>PCE initiated</a:t>
             </a:r>
           </a:p>
@@ -33245,7 +33298,7 @@
               <a:defRPr/>
             </a:pPr>
             <a:r>
-              <a:rPr lang="en-US" sz="1800" dirty="0" smtClean="0"/>
+              <a:rPr lang="en-US" sz="1900" dirty="0" smtClean="0"/>
               <a:t>LSP is created and controlled by PCE</a:t>
             </a:r>
           </a:p>
@@ -33254,7 +33307,7 @@
               <a:defRPr/>
             </a:pPr>
             <a:r>
-              <a:rPr lang="en-US" sz="2000" dirty="0" smtClean="0"/>
+              <a:rPr lang="en-US" sz="1900" dirty="0" smtClean="0"/>
               <a:t>PCC initiated</a:t>
             </a:r>
           </a:p>
@@ -33263,7 +33316,7 @@
               <a:defRPr/>
             </a:pPr>
             <a:r>
-              <a:rPr lang="en-US" sz="1800" dirty="0" smtClean="0"/>
+              <a:rPr lang="en-US" sz="1900" dirty="0" smtClean="0"/>
               <a:t>LSP is created by PCC which may then delegate it to PCE</a:t>
             </a:r>
           </a:p>
@@ -33272,10 +33325,10 @@
               <a:defRPr/>
             </a:pPr>
             <a:r>
-              <a:rPr lang="en-US" sz="1800" dirty="0" smtClean="0"/>
+              <a:rPr lang="en-US" sz="1900" dirty="0" smtClean="0"/>
               <a:t>PCE can update it only if control is delegated by PCC</a:t>
             </a:r>
-            <a:endParaRPr lang="en-US" sz="1800" dirty="0"/>
+            <a:endParaRPr lang="en-US" sz="1900" dirty="0"/>
           </a:p>
         </p:txBody>
       </p:sp>
@@ -33466,6 +33519,226 @@
           </a:p>
         </p:txBody>
       </p:sp>
+      <p:graphicFrame>
+        <p:nvGraphicFramePr>
+          <p:cNvPr id="4" name="Table 3"/>
+          <p:cNvGraphicFramePr>
+            <a:graphicFrameLocks noGrp="1"/>
+          </p:cNvGraphicFramePr>
+          <p:nvPr>
+            <p:extLst>
+              <p:ext uri="{D42A27DB-BD31-4B8C-83A1-F6EECF244321}">
+                <p14:modId xmlns:p14="http://schemas.microsoft.com/office/powerpoint/2010/main" val="3672063002"/>
+              </p:ext>
+            </p:extLst>
+          </p:nvPr>
+        </p:nvGraphicFramePr>
+        <p:xfrm>
+          <a:off x="5952744" y="979488"/>
+          <a:ext cx="3081528" cy="4201412"/>
+        </p:xfrm>
+        <a:graphic>
+          <a:graphicData uri="http://schemas.openxmlformats.org/drawingml/2006/table">
+            <a:tbl>
+              <a:tblPr firstRow="1" bandRow="1">
+                <a:tableStyleId>{5C22544A-7EE6-4342-B048-85BDC9FD1C3A}</a:tableStyleId>
+              </a:tblPr>
+              <a:tblGrid>
+                <a:gridCol w="1540764"/>
+                <a:gridCol w="1540764"/>
+              </a:tblGrid>
+              <a:tr h="687260">
+                <a:tc>
+                  <a:txBody>
+                    <a:bodyPr/>
+                    <a:lstStyle/>
+                    <a:p>
+                      <a:r>
+                        <a:rPr lang="en-US" dirty="0" smtClean="0"/>
+                        <a:t>Message Type</a:t>
+                      </a:r>
+                      <a:endParaRPr lang="en-US" dirty="0"/>
+                    </a:p>
+                  </a:txBody>
+                  <a:tcPr/>
+                </a:tc>
+                <a:tc>
+                  <a:txBody>
+                    <a:bodyPr/>
+                    <a:lstStyle/>
+                    <a:p>
+                      <a:r>
+                        <a:rPr lang="en-US" dirty="0" smtClean="0"/>
+                        <a:t>Description</a:t>
+                      </a:r>
+                      <a:endParaRPr lang="en-US" dirty="0"/>
+                    </a:p>
+                  </a:txBody>
+                  <a:tcPr/>
+                </a:tc>
+              </a:tr>
+              <a:tr h="588072">
+                <a:tc>
+                  <a:txBody>
+                    <a:bodyPr/>
+                    <a:lstStyle/>
+                    <a:p>
+                      <a:r>
+                        <a:rPr lang="en-US" sz="1400" dirty="0" smtClean="0"/>
+                        <a:t>Open &amp; </a:t>
+                      </a:r>
+                      <a:r>
+                        <a:rPr lang="en-US" sz="1400" dirty="0" err="1" smtClean="0"/>
+                        <a:t>Keepalive</a:t>
+                      </a:r>
+                      <a:endParaRPr lang="en-US" sz="1400" dirty="0"/>
+                    </a:p>
+                  </a:txBody>
+                  <a:tcPr/>
+                </a:tc>
+                <a:tc>
+                  <a:txBody>
+                    <a:bodyPr/>
+                    <a:lstStyle/>
+                    <a:p>
+                      <a:r>
+                        <a:rPr lang="en-US" sz="1400" dirty="0" smtClean="0"/>
+                        <a:t>Instantiate and</a:t>
+                      </a:r>
+                      <a:r>
+                        <a:rPr lang="en-US" sz="1400" baseline="0" dirty="0" smtClean="0"/>
+                        <a:t> maintain sessions</a:t>
+                      </a:r>
+                      <a:endParaRPr lang="en-US" sz="1400" dirty="0"/>
+                    </a:p>
+                  </a:txBody>
+                  <a:tcPr/>
+                </a:tc>
+              </a:tr>
+              <a:tr h="517968">
+                <a:tc>
+                  <a:txBody>
+                    <a:bodyPr/>
+                    <a:lstStyle/>
+                    <a:p>
+                      <a:r>
+                        <a:rPr lang="en-US" sz="1400" dirty="0" err="1" smtClean="0"/>
+                        <a:t>PCReq</a:t>
+                      </a:r>
+                      <a:endParaRPr lang="en-US" sz="1400" dirty="0"/>
+                    </a:p>
+                  </a:txBody>
+                  <a:tcPr/>
+                </a:tc>
+                <a:tc>
+                  <a:txBody>
+                    <a:bodyPr/>
+                    <a:lstStyle/>
+                    <a:p>
+                      <a:r>
+                        <a:rPr lang="en-US" sz="1400" dirty="0" smtClean="0"/>
+                        <a:t>Path Computation request</a:t>
+                      </a:r>
+                      <a:endParaRPr lang="en-US" sz="1400" dirty="0"/>
+                    </a:p>
+                  </a:txBody>
+                  <a:tcPr/>
+                </a:tc>
+              </a:tr>
+              <a:tr h="687260">
+                <a:tc>
+                  <a:txBody>
+                    <a:bodyPr/>
+                    <a:lstStyle/>
+                    <a:p>
+                      <a:r>
+                        <a:rPr lang="en-US" sz="1400" dirty="0" err="1" smtClean="0"/>
+                        <a:t>PCRep</a:t>
+                      </a:r>
+                      <a:endParaRPr lang="en-US" sz="1400" dirty="0"/>
+                    </a:p>
+                  </a:txBody>
+                  <a:tcPr/>
+                </a:tc>
+                <a:tc>
+                  <a:txBody>
+                    <a:bodyPr/>
+                    <a:lstStyle/>
+                    <a:p>
+                      <a:r>
+                        <a:rPr lang="en-US" sz="1400" dirty="0" smtClean="0"/>
+                        <a:t>Reply to path computation request</a:t>
+                      </a:r>
+                      <a:endParaRPr lang="en-US" sz="1400" dirty="0"/>
+                    </a:p>
+                  </a:txBody>
+                  <a:tcPr/>
+                </a:tc>
+              </a:tr>
+              <a:tr h="557592">
+                <a:tc>
+                  <a:txBody>
+                    <a:bodyPr/>
+                    <a:lstStyle/>
+                    <a:p>
+                      <a:r>
+                        <a:rPr lang="en-US" sz="1400" dirty="0" err="1" smtClean="0"/>
+                        <a:t>PCNtf</a:t>
+                      </a:r>
+                      <a:endParaRPr lang="en-US" sz="1400" dirty="0"/>
+                    </a:p>
+                  </a:txBody>
+                  <a:tcPr/>
+                </a:tc>
+                <a:tc>
+                  <a:txBody>
+                    <a:bodyPr/>
+                    <a:lstStyle/>
+                    <a:p>
+                      <a:r>
+                        <a:rPr lang="en-US" sz="1400" dirty="0" smtClean="0"/>
+                        <a:t>Notification message of a specific event</a:t>
+                      </a:r>
+                      <a:endParaRPr lang="en-US" sz="1400" dirty="0"/>
+                    </a:p>
+                  </a:txBody>
+                  <a:tcPr/>
+                </a:tc>
+              </a:tr>
+              <a:tr h="687260">
+                <a:tc>
+                  <a:txBody>
+                    <a:bodyPr/>
+                    <a:lstStyle/>
+                    <a:p>
+                      <a:r>
+                        <a:rPr lang="en-US" sz="1400" dirty="0" err="1" smtClean="0"/>
+                        <a:t>PCErr</a:t>
+                      </a:r>
+                      <a:endParaRPr lang="en-US" sz="1400" dirty="0"/>
+                    </a:p>
+                  </a:txBody>
+                  <a:tcPr/>
+                </a:tc>
+                <a:tc>
+                  <a:txBody>
+                    <a:bodyPr/>
+                    <a:lstStyle/>
+                    <a:p>
+                      <a:r>
+                        <a:rPr lang="en-US" sz="1400" dirty="0" smtClean="0"/>
+                        <a:t>Message sent upon the occurrence of protocol error</a:t>
+                      </a:r>
+                      <a:endParaRPr lang="en-US" sz="1400" dirty="0"/>
+                    </a:p>
+                  </a:txBody>
+                  <a:tcPr/>
+                </a:tc>
+              </a:tr>
+            </a:tbl>
+          </a:graphicData>
+        </a:graphic>
+      </p:graphicFrame>
     </p:spTree>
   </p:cSld>
   <p:clrMapOvr>
@@ -49342,14 +49615,24 @@
               <a:defRPr/>
             </a:pPr>
             <a:r>
-              <a:rPr lang="en-US" sz="1400" dirty="0">
+              <a:rPr lang="en-US" sz="1400" dirty="0" err="1">
                 <a:solidFill>
                   <a:schemeClr val="dk1"/>
                 </a:solidFill>
                 <a:latin typeface="+mn-lt"/>
                 <a:ea typeface="+mn-ea"/>
               </a:rPr>
-              <a:t>Anyconnect VPN</a:t>
+              <a:t>Anyconnect</a:t>
+            </a:r>
+            <a:r>
+              <a:rPr lang="en-US" sz="1400" dirty="0">
+                <a:solidFill>
+                  <a:schemeClr val="dk1"/>
+                </a:solidFill>
+                <a:latin typeface="+mn-lt"/>
+                <a:ea typeface="+mn-ea"/>
+              </a:rPr>
+              <a:t> VPN</a:t>
             </a:r>
           </a:p>
         </p:txBody>
@@ -50037,7 +50320,15 @@
             </a:r>
             <a:r>
               <a:rPr lang="en-US" sz="2000" dirty="0" smtClean="0"/>
-              <a:t> session using Anyconnect VPN</a:t>
+              <a:t> session using </a:t>
+            </a:r>
+            <a:r>
+              <a:rPr lang="en-US" sz="2000" dirty="0" err="1" smtClean="0"/>
+              <a:t>Anyconnect</a:t>
+            </a:r>
+            <a:r>
+              <a:rPr lang="en-US" sz="2000" dirty="0" smtClean="0"/>
+              <a:t> VPN</a:t>
             </a:r>
             <a:endParaRPr lang="en-US" sz="2000" dirty="0"/>
           </a:p>
